--- a/PPT/PPT2020/DB第04章.pptx
+++ b/PPT/PPT2020/DB第04章.pptx
@@ -5,7 +5,7 @@
     <p:sldMasterId id="2147483648" r:id="rId1"/>
   </p:sldMasterIdLst>
   <p:notesMasterIdLst>
-    <p:notesMasterId r:id="rId69"/>
+    <p:notesMasterId r:id="rId68"/>
   </p:notesMasterIdLst>
   <p:sldIdLst>
     <p:sldId id="258" r:id="rId2"/>
@@ -73,8 +73,7 @@
     <p:sldId id="500" r:id="rId64"/>
     <p:sldId id="465" r:id="rId65"/>
     <p:sldId id="467" r:id="rId66"/>
-    <p:sldId id="504" r:id="rId67"/>
-    <p:sldId id="469" r:id="rId68"/>
+    <p:sldId id="469" r:id="rId67"/>
   </p:sldIdLst>
   <p:sldSz cx="9144000" cy="6858000" type="screen4x3"/>
   <p:notesSz cx="6834188" cy="9979025"/>
@@ -345,7 +344,7 @@
               <a:pPr>
                 <a:defRPr/>
               </a:pPr>
-              <a:t>2020/3/25</a:t>
+              <a:t>2020/3/29</a:t>
             </a:fld>
             <a:endParaRPr lang="zh-CN" altLang="en-US"/>
           </a:p>
@@ -29524,9 +29523,36 @@
                   <a:srgbClr val="FFFF00"/>
                 </a:highlight>
               </a:rPr>
-              <a:t>简单记作：向下读；向上写</a:t>
+              <a:t>简单记作：</a:t>
+            </a:r>
+            <a:r>
+              <a:rPr lang="zh-CN" altLang="en-US" sz="3600" noProof="1">
+                <a:ln w="6600">
+                  <a:solidFill>
+                    <a:schemeClr val="accent2"/>
+                  </a:solidFill>
+                  <a:prstDash val="solid"/>
+                </a:ln>
+                <a:solidFill>
+                  <a:srgbClr val="FF0000"/>
+                </a:solidFill>
+                <a:effectLst>
+                  <a:outerShdw blurRad="38100" dist="38100" dir="2700000" algn="tl">
+                    <a:srgbClr val="000000">
+                      <a:alpha val="43137"/>
+                    </a:srgbClr>
+                  </a:outerShdw>
+                </a:effectLst>
+                <a:highlight>
+                  <a:srgbClr val="FFFF00"/>
+                </a:highlight>
+              </a:rPr>
+              <a:t>向下读；向上写</a:t>
             </a:r>
             <a:endParaRPr lang="zh-CN" altLang="en-US" sz="1600" noProof="1">
+              <a:solidFill>
+                <a:srgbClr val="FF0000"/>
+              </a:solidFill>
               <a:effectLst>
                 <a:outerShdw blurRad="38100" dist="38100" dir="2700000" algn="tl">
                   <a:srgbClr val="000000">
@@ -29975,17 +30001,22 @@
           <a:bodyPr/>
           <a:lstStyle/>
           <a:p>
-            <a:pPr eaLnBrk="1" hangingPunct="1">
+            <a:pPr marL="0" indent="0" eaLnBrk="1" hangingPunct="1">
               <a:lnSpc>
                 <a:spcPct val="150000"/>
               </a:lnSpc>
-            </a:pPr>
-            <a:r>
-              <a:rPr lang="zh-CN" altLang="en-US"/>
-              <a:t>把要保密的数据对无权存取这些数据的用户</a:t>
-            </a:r>
-            <a:r>
-              <a:rPr lang="zh-CN" altLang="en-US">
+              <a:buNone/>
+            </a:pPr>
+            <a:r>
+              <a:rPr lang="zh-CN" altLang="en-US" dirty="0"/>
+              <a:t>把要保密的数据 </a:t>
+            </a:r>
+            <a:r>
+              <a:rPr lang="zh-CN" altLang="en-US" b="0" i="1" dirty="0"/>
+              <a:t>对无权存取这些数据的用户 </a:t>
+            </a:r>
+            <a:r>
+              <a:rPr lang="zh-CN" altLang="en-US" dirty="0">
                 <a:solidFill>
                   <a:srgbClr val="0066FF"/>
                 </a:solidFill>
@@ -29993,25 +30024,18 @@
               <a:t>隐藏</a:t>
             </a:r>
             <a:r>
-              <a:rPr lang="zh-CN" altLang="en-US"/>
-              <a:t>起来，对数据提供一定程度的安全保护</a:t>
-            </a:r>
-            <a:r>
-              <a:rPr lang="zh-CN" altLang="en-US" sz="3200"/>
+              <a:rPr lang="zh-CN" altLang="en-US" dirty="0"/>
+              <a:t>起来，</a:t>
+            </a:r>
+            <a:r>
+              <a:rPr lang="zh-CN" altLang="en-US" b="0" dirty="0"/>
+              <a:t>对数据提供一定程度的安全保护</a:t>
+            </a:r>
+            <a:r>
+              <a:rPr lang="zh-CN" altLang="en-US" sz="3200" b="0" dirty="0"/>
               <a:t> </a:t>
             </a:r>
-            <a:endParaRPr lang="zh-CN" altLang="en-US"/>
-          </a:p>
-          <a:p>
-            <a:pPr eaLnBrk="1" hangingPunct="1">
-              <a:lnSpc>
-                <a:spcPct val="200000"/>
-              </a:lnSpc>
-            </a:pPr>
-            <a:r>
-              <a:rPr lang="zh-CN" altLang="en-US"/>
-              <a:t>间接地实现支持存取谓词的用户权限定义</a:t>
-            </a:r>
+            <a:endParaRPr lang="zh-CN" altLang="en-US" b="0" dirty="0"/>
           </a:p>
         </p:txBody>
       </p:sp>
@@ -30115,15 +30139,36 @@
             <p:ph type="title" idx="4294967295"/>
           </p:nvPr>
         </p:nvSpPr>
-        <p:spPr/>
+        <p:spPr>
+          <a:xfrm>
+            <a:off x="323528" y="0"/>
+            <a:ext cx="8686800" cy="729209"/>
+          </a:xfrm>
+        </p:spPr>
         <p:txBody>
           <a:bodyPr/>
           <a:lstStyle/>
           <a:p>
-            <a:pPr eaLnBrk="1" hangingPunct="1"/>
-            <a:r>
-              <a:rPr lang="zh-CN" altLang="en-US" sz="3600"/>
-              <a:t>视图机制（续）</a:t>
+            <a:pPr eaLnBrk="1" hangingPunct="1">
+              <a:lnSpc>
+                <a:spcPct val="200000"/>
+              </a:lnSpc>
+            </a:pPr>
+            <a:r>
+              <a:rPr lang="zh-CN" altLang="en-US" sz="3600" dirty="0"/>
+              <a:t>间接地实现支持</a:t>
+            </a:r>
+            <a:r>
+              <a:rPr lang="zh-CN" altLang="en-US" sz="3600" dirty="0">
+                <a:solidFill>
+                  <a:srgbClr val="FF0000"/>
+                </a:solidFill>
+              </a:rPr>
+              <a:t>存取谓词</a:t>
+            </a:r>
+            <a:r>
+              <a:rPr lang="zh-CN" altLang="en-US" sz="3600" dirty="0"/>
+              <a:t>的用户权限定义</a:t>
             </a:r>
           </a:p>
         </p:txBody>
@@ -30162,28 +30207,44 @@
               <a:buNone/>
             </a:pPr>
             <a:r>
-              <a:rPr lang="en-US" altLang="zh-CN" sz="2400"/>
+              <a:rPr lang="en-US" altLang="zh-CN" sz="2400" dirty="0"/>
               <a:t>[</a:t>
             </a:r>
             <a:r>
-              <a:rPr lang="zh-CN" altLang="en-US" sz="2400"/>
+              <a:rPr lang="zh-CN" altLang="en-US" sz="2400" dirty="0"/>
               <a:t>例4.</a:t>
             </a:r>
             <a:r>
-              <a:rPr lang="en-US" altLang="zh-CN" sz="2400"/>
+              <a:rPr lang="en-US" altLang="zh-CN" sz="2400" dirty="0"/>
               <a:t>14] </a:t>
             </a:r>
             <a:r>
-              <a:rPr lang="zh-CN" altLang="en-US" sz="2400"/>
+              <a:rPr lang="zh-CN" altLang="en-US" sz="2400" dirty="0"/>
               <a:t>建立计算机系学生的视图，把对该视图的</a:t>
             </a:r>
             <a:r>
-              <a:rPr lang="en-US" altLang="zh-CN" sz="2400"/>
+              <a:rPr lang="en-US" altLang="zh-CN" sz="2400" dirty="0"/>
               <a:t>SELECT</a:t>
             </a:r>
             <a:r>
-              <a:rPr lang="zh-CN" altLang="en-US" sz="2400"/>
-              <a:t>权限授于王平，把该视图上的所有操作权限授于张明 </a:t>
+              <a:rPr lang="zh-CN" altLang="en-US" sz="2400" dirty="0"/>
+              <a:t>权限授于</a:t>
+            </a:r>
+            <a:r>
+              <a:rPr lang="zh-CN" altLang="en-US" sz="2400" i="1" u="sng" dirty="0"/>
+              <a:t>王平</a:t>
+            </a:r>
+            <a:r>
+              <a:rPr lang="zh-CN" altLang="en-US" sz="2400" dirty="0"/>
+              <a:t>，把该视图上的所有操作权限授于</a:t>
+            </a:r>
+            <a:r>
+              <a:rPr lang="zh-CN" altLang="en-US" sz="2400" i="1" u="sng" dirty="0"/>
+              <a:t>张明</a:t>
+            </a:r>
+            <a:r>
+              <a:rPr lang="zh-CN" altLang="en-US" sz="2400" dirty="0"/>
+              <a:t> </a:t>
             </a:r>
           </a:p>
           <a:p>
@@ -30191,7 +30252,7 @@
               <a:buFont typeface="Wingdings" panose="05000000000000000000" pitchFamily="2" charset="2"/>
               <a:buNone/>
             </a:pPr>
-            <a:endParaRPr lang="zh-CN" altLang="en-US" sz="2400"/>
+            <a:endParaRPr lang="zh-CN" altLang="en-US" sz="2400" dirty="0"/>
           </a:p>
           <a:p>
             <a:pPr eaLnBrk="1" hangingPunct="1">
@@ -30199,13 +30260,14 @@
               <a:buNone/>
             </a:pPr>
             <a:r>
-              <a:rPr lang="zh-CN" altLang="en-US" sz="2400"/>
+              <a:rPr lang="zh-CN" altLang="en-US" sz="2400" dirty="0"/>
               <a:t>         先建立计算机系学生的视图</a:t>
             </a:r>
             <a:r>
-              <a:rPr lang="en-US" altLang="zh-CN" sz="2400"/>
+              <a:rPr lang="en-US" altLang="zh-CN" sz="2400" dirty="0" err="1"/>
               <a:t>CS_Student</a:t>
             </a:r>
+            <a:endParaRPr lang="en-US" altLang="zh-CN" sz="2400" dirty="0"/>
           </a:p>
           <a:p>
             <a:pPr eaLnBrk="1" hangingPunct="1">
@@ -30213,13 +30275,18 @@
               <a:buNone/>
             </a:pPr>
             <a:r>
-              <a:rPr lang="en-US" altLang="zh-CN" sz="2500"/>
+              <a:rPr lang="en-US" altLang="zh-CN" sz="2500" dirty="0"/>
               <a:t>              </a:t>
             </a:r>
             <a:r>
-              <a:rPr lang="en-US" altLang="zh-CN" sz="2400"/>
-              <a:t>CREATE VIEW CS_Student</a:t>
-            </a:r>
+              <a:rPr lang="en-US" altLang="zh-CN" sz="2400" dirty="0"/>
+              <a:t>CREATE VIEW </a:t>
+            </a:r>
+            <a:r>
+              <a:rPr lang="en-US" altLang="zh-CN" sz="2400" dirty="0" err="1"/>
+              <a:t>CS_Student</a:t>
+            </a:r>
+            <a:endParaRPr lang="en-US" altLang="zh-CN" sz="2400" dirty="0"/>
           </a:p>
           <a:p>
             <a:pPr lvl="2" eaLnBrk="1" hangingPunct="1">
@@ -30227,7 +30294,7 @@
               <a:buNone/>
             </a:pPr>
             <a:r>
-              <a:rPr lang="en-US" altLang="zh-CN" sz="2200"/>
+              <a:rPr lang="en-US" altLang="zh-CN" sz="2200" dirty="0"/>
               <a:t>    AS </a:t>
             </a:r>
           </a:p>
@@ -30240,10 +30307,10 @@
               <a:buNone/>
             </a:pPr>
             <a:r>
-              <a:rPr lang="en-US" altLang="zh-CN" sz="2200"/>
+              <a:rPr lang="en-US" altLang="zh-CN" sz="2200" dirty="0"/>
               <a:t>    SELECT  *</a:t>
             </a:r>
-            <a:endParaRPr lang="en-US" altLang="zh-CN" sz="2200" baseline="-16000"/>
+            <a:endParaRPr lang="en-US" altLang="zh-CN" sz="2200" baseline="-16000" dirty="0"/>
           </a:p>
           <a:p>
             <a:pPr lvl="2" eaLnBrk="1" hangingPunct="1">
@@ -30251,7 +30318,7 @@
               <a:buNone/>
             </a:pPr>
             <a:r>
-              <a:rPr lang="en-US" altLang="zh-CN" sz="2200"/>
+              <a:rPr lang="en-US" altLang="zh-CN" sz="2200" dirty="0"/>
               <a:t>    FROM   Student</a:t>
             </a:r>
           </a:p>
@@ -30261,10 +30328,18 @@
               <a:buNone/>
             </a:pPr>
             <a:r>
-              <a:rPr lang="en-US" altLang="zh-CN" sz="2200"/>
-              <a:t>    WHERE  Sdept='CS';</a:t>
-            </a:r>
-            <a:endParaRPr lang="zh-CN" altLang="en-US" sz="2200"/>
+              <a:rPr lang="en-US" altLang="zh-CN" sz="2200" dirty="0"/>
+              <a:t>    WHERE  </a:t>
+            </a:r>
+            <a:r>
+              <a:rPr lang="en-US" altLang="zh-CN" sz="2200" dirty="0" err="1"/>
+              <a:t>Sdept</a:t>
+            </a:r>
+            <a:r>
+              <a:rPr lang="en-US" altLang="zh-CN" sz="2200" dirty="0"/>
+              <a:t>='CS';</a:t>
+            </a:r>
+            <a:endParaRPr lang="zh-CN" altLang="en-US" sz="2200" dirty="0"/>
           </a:p>
         </p:txBody>
       </p:sp>
@@ -30375,8 +30450,16 @@
           <a:p>
             <a:pPr eaLnBrk="1" hangingPunct="1"/>
             <a:r>
-              <a:rPr lang="zh-CN" altLang="en-US" sz="3600"/>
-              <a:t>视图机制（续）</a:t>
+              <a:rPr lang="zh-CN" altLang="en-US" sz="3600" dirty="0"/>
+              <a:t>在视图上进一步定义</a:t>
+            </a:r>
+            <a:r>
+              <a:rPr lang="zh-CN" altLang="en-US" sz="3600" dirty="0">
+                <a:solidFill>
+                  <a:srgbClr val="FF0000"/>
+                </a:solidFill>
+              </a:rPr>
+              <a:t>存取权限</a:t>
             </a:r>
           </a:p>
         </p:txBody>
@@ -30400,7 +30483,7 @@
         <p:spPr>
           <a:xfrm>
             <a:off x="323850" y="1098550"/>
-            <a:ext cx="8229600" cy="4854575"/>
+            <a:ext cx="8229600" cy="4056479"/>
           </a:xfrm>
         </p:spPr>
         <p:txBody>
@@ -30415,8 +30498,8 @@
               <a:buNone/>
             </a:pPr>
             <a:r>
-              <a:rPr lang="zh-CN" altLang="en-US" sz="2400"/>
-              <a:t>在视图上进一步定义存取权限</a:t>
+              <a:rPr lang="en-US" altLang="zh-CN" sz="2400" dirty="0"/>
+              <a:t>     GRANT  SELECT</a:t>
             </a:r>
           </a:p>
           <a:p>
@@ -30428,12 +30511,16 @@
               <a:buNone/>
             </a:pPr>
             <a:r>
-              <a:rPr lang="zh-CN" altLang="en-US" sz="2400"/>
-              <a:t>     </a:t>
-            </a:r>
-            <a:r>
-              <a:rPr lang="en-US" altLang="zh-CN" sz="2400"/>
-              <a:t>GRANT  SELECT</a:t>
+              <a:rPr lang="en-US" altLang="zh-CN" sz="2400" dirty="0"/>
+              <a:t>     ON  </a:t>
+            </a:r>
+            <a:r>
+              <a:rPr lang="en-US" altLang="zh-CN" sz="2400" dirty="0" err="1"/>
+              <a:t>CS_Student</a:t>
+            </a:r>
+            <a:r>
+              <a:rPr lang="en-US" altLang="zh-CN" sz="2400" dirty="0"/>
+              <a:t>  </a:t>
             </a:r>
           </a:p>
           <a:p>
@@ -30445,31 +30532,18 @@
               <a:buNone/>
             </a:pPr>
             <a:r>
-              <a:rPr lang="en-US" altLang="zh-CN" sz="2400"/>
-              <a:t>     ON  CS_Student  </a:t>
-            </a:r>
-          </a:p>
-          <a:p>
-            <a:pPr lvl="2" eaLnBrk="1" hangingPunct="1">
-              <a:lnSpc>
-                <a:spcPct val="120000"/>
-              </a:lnSpc>
-              <a:buFont typeface="Arial" panose="020B0604020202020204" pitchFamily="34" charset="0"/>
-              <a:buNone/>
-            </a:pPr>
-            <a:r>
-              <a:rPr lang="en-US" altLang="zh-CN" sz="2400"/>
+              <a:rPr lang="en-US" altLang="zh-CN" sz="2400" dirty="0"/>
               <a:t>     TO </a:t>
             </a:r>
             <a:r>
-              <a:rPr lang="zh-CN" altLang="en-US" sz="2400"/>
+              <a:rPr lang="zh-CN" altLang="en-US" sz="2400" dirty="0"/>
               <a:t>王平</a:t>
             </a:r>
             <a:r>
-              <a:rPr lang="en-US" altLang="zh-CN" sz="2400"/>
+              <a:rPr lang="en-US" altLang="zh-CN" sz="2400" dirty="0"/>
               <a:t>;</a:t>
             </a:r>
-            <a:endParaRPr lang="zh-CN" altLang="en-US" sz="2400"/>
+            <a:endParaRPr lang="zh-CN" altLang="en-US" sz="2400" dirty="0"/>
           </a:p>
           <a:p>
             <a:pPr lvl="2" eaLnBrk="1" hangingPunct="1">
@@ -30477,7 +30551,7 @@
               <a:buNone/>
             </a:pPr>
             <a:r>
-              <a:rPr lang="zh-CN" altLang="en-US" sz="2400"/>
+              <a:rPr lang="zh-CN" altLang="en-US" sz="2400" dirty="0"/>
               <a:t>     </a:t>
             </a:r>
           </a:p>
@@ -30487,11 +30561,11 @@
               <a:buNone/>
             </a:pPr>
             <a:r>
-              <a:rPr lang="zh-CN" altLang="en-US" sz="2400"/>
+              <a:rPr lang="zh-CN" altLang="en-US" sz="2400" dirty="0"/>
               <a:t>     </a:t>
             </a:r>
             <a:r>
-              <a:rPr lang="en-US" altLang="zh-CN" sz="2400"/>
+              <a:rPr lang="en-US" altLang="zh-CN" sz="2400" dirty="0"/>
               <a:t>GRANT ALL PRIVILIGES</a:t>
             </a:r>
           </a:p>
@@ -30501,8 +30575,16 @@
               <a:buNone/>
             </a:pPr>
             <a:r>
-              <a:rPr lang="en-US" altLang="zh-CN" sz="2400"/>
-              <a:t>     ON  CS_Student  </a:t>
+              <a:rPr lang="en-US" altLang="zh-CN" sz="2400" dirty="0"/>
+              <a:t>     ON  </a:t>
+            </a:r>
+            <a:r>
+              <a:rPr lang="en-US" altLang="zh-CN" sz="2400" dirty="0" err="1"/>
+              <a:t>CS_Student</a:t>
+            </a:r>
+            <a:r>
+              <a:rPr lang="en-US" altLang="zh-CN" sz="2400" dirty="0"/>
+              <a:t>  </a:t>
             </a:r>
           </a:p>
           <a:p>
@@ -30511,20 +30593,70 @@
               <a:buNone/>
             </a:pPr>
             <a:r>
-              <a:rPr lang="en-US" altLang="zh-CN" sz="2400"/>
+              <a:rPr lang="en-US" altLang="zh-CN" sz="2400" dirty="0"/>
               <a:t>     TO  </a:t>
             </a:r>
             <a:r>
-              <a:rPr lang="zh-CN" altLang="en-US" sz="2400"/>
+              <a:rPr lang="zh-CN" altLang="en-US" sz="2400" dirty="0"/>
               <a:t>张明</a:t>
             </a:r>
             <a:r>
-              <a:rPr lang="en-US" altLang="zh-CN" sz="2400"/>
+              <a:rPr lang="en-US" altLang="zh-CN" sz="2400" dirty="0"/>
               <a:t>;</a:t>
             </a:r>
             <a:r>
-              <a:rPr lang="zh-CN" altLang="en-US" sz="2400"/>
+              <a:rPr lang="zh-CN" altLang="en-US" sz="2400" dirty="0"/>
               <a:t> </a:t>
+            </a:r>
+          </a:p>
+        </p:txBody>
+      </p:sp>
+      <p:sp>
+        <p:nvSpPr>
+          <p:cNvPr id="2" name="文本框 1">
+            <a:extLst>
+              <a:ext uri="{FF2B5EF4-FFF2-40B4-BE49-F238E27FC236}">
+                <a16:creationId xmlns:a16="http://schemas.microsoft.com/office/drawing/2014/main" id="{7EDB11B1-457D-4401-B6CD-32A6505996F7}"/>
+              </a:ext>
+            </a:extLst>
+          </p:cNvPr>
+          <p:cNvSpPr txBox="1"/>
+          <p:nvPr/>
+        </p:nvSpPr>
+        <p:spPr>
+          <a:xfrm>
+            <a:off x="1331640" y="5445224"/>
+            <a:ext cx="6096541" cy="646331"/>
+          </a:xfrm>
+          <a:prstGeom prst="rect">
+            <a:avLst/>
+          </a:prstGeom>
+          <a:noFill/>
+        </p:spPr>
+        <p:txBody>
+          <a:bodyPr wrap="none" rtlCol="0">
+            <a:spAutoFit/>
+          </a:bodyPr>
+          <a:lstStyle/>
+          <a:p>
+            <a:r>
+              <a:rPr lang="en-US" altLang="zh-CN" dirty="0"/>
+              <a:t>Q1</a:t>
+            </a:r>
+            <a:r>
+              <a:rPr lang="zh-CN" altLang="en-US" dirty="0"/>
+              <a:t>：什么是“存取谓词”？</a:t>
+            </a:r>
+            <a:endParaRPr lang="en-US" altLang="zh-CN" dirty="0"/>
+          </a:p>
+          <a:p>
+            <a:r>
+              <a:rPr lang="en-US" altLang="zh-CN" dirty="0"/>
+              <a:t>Q2</a:t>
+            </a:r>
+            <a:r>
+              <a:rPr lang="zh-CN" altLang="en-US" dirty="0"/>
+              <a:t>：为什么要用视图间接实现，直接用基本表不可以么？</a:t>
             </a:r>
           </a:p>
         </p:txBody>
@@ -30963,7 +31095,7 @@
               </a:lnSpc>
             </a:pPr>
             <a:r>
-              <a:rPr lang="zh-CN" altLang="en-US" sz="3200"/>
+              <a:rPr lang="zh-CN" altLang="en-US" sz="3200" dirty="0"/>
               <a:t>什么是审计</a:t>
             </a:r>
           </a:p>
@@ -30974,15 +31106,15 @@
               </a:spcBef>
             </a:pPr>
             <a:r>
-              <a:rPr lang="zh-CN" altLang="en-US"/>
+              <a:rPr lang="zh-CN" altLang="en-US" dirty="0"/>
               <a:t>审计日志（</a:t>
             </a:r>
             <a:r>
-              <a:rPr lang="en-US" altLang="zh-CN"/>
+              <a:rPr lang="en-US" altLang="zh-CN" dirty="0"/>
               <a:t>Audit Log</a:t>
             </a:r>
             <a:r>
-              <a:rPr lang="zh-CN" altLang="en-US"/>
+              <a:rPr lang="zh-CN" altLang="en-US" dirty="0"/>
               <a:t>）</a:t>
             </a:r>
           </a:p>
@@ -30995,8 +31127,20 @@
               <a:buNone/>
             </a:pPr>
             <a:r>
-              <a:rPr lang="zh-CN" altLang="en-US"/>
-              <a:t>    将用户对数据库的所有操作记录在上面</a:t>
+              <a:rPr lang="zh-CN" altLang="en-US" dirty="0"/>
+              <a:t>    将</a:t>
+            </a:r>
+            <a:r>
+              <a:rPr lang="zh-CN" altLang="en-US" dirty="0">
+                <a:solidFill>
+                  <a:srgbClr val="FF0000"/>
+                </a:solidFill>
+              </a:rPr>
+              <a:t>用户对数据库的所有操作</a:t>
+            </a:r>
+            <a:r>
+              <a:rPr lang="zh-CN" altLang="en-US" dirty="0"/>
+              <a:t>记录在上面</a:t>
             </a:r>
           </a:p>
           <a:p>
@@ -31006,7 +31150,7 @@
               </a:spcBef>
             </a:pPr>
             <a:r>
-              <a:rPr lang="zh-CN" altLang="en-US"/>
+              <a:rPr lang="zh-CN" altLang="en-US" dirty="0"/>
               <a:t>审计员利用审计日志</a:t>
             </a:r>
           </a:p>
@@ -31019,12 +31163,34 @@
               <a:buNone/>
             </a:pPr>
             <a:r>
-              <a:rPr lang="zh-CN" altLang="zh-CN"/>
-              <a:t>         监控数据库中的各种行为</a:t>
-            </a:r>
-            <a:r>
-              <a:rPr lang="zh-CN" altLang="en-US"/>
-              <a:t>，找出非法存取数据的人、时间和内容。</a:t>
+              <a:rPr lang="en-US" altLang="zh-CN" dirty="0"/>
+              <a:t>    </a:t>
+            </a:r>
+            <a:r>
+              <a:rPr lang="zh-CN" altLang="zh-CN" dirty="0"/>
+              <a:t>监控数据库中的各种行为</a:t>
+            </a:r>
+            <a:r>
+              <a:rPr lang="zh-CN" altLang="en-US" dirty="0"/>
+              <a:t>，</a:t>
+            </a:r>
+            <a:endParaRPr lang="en-US" altLang="zh-CN" dirty="0"/>
+          </a:p>
+          <a:p>
+            <a:pPr lvl="1" eaLnBrk="1" hangingPunct="1">
+              <a:spcBef>
+                <a:spcPct val="60000"/>
+              </a:spcBef>
+              <a:buFont typeface="Wingdings" panose="05000000000000000000" pitchFamily="2" charset="2"/>
+              <a:buNone/>
+            </a:pPr>
+            <a:r>
+              <a:rPr lang="en-US" altLang="zh-CN" dirty="0"/>
+              <a:t>    </a:t>
+            </a:r>
+            <a:r>
+              <a:rPr lang="zh-CN" altLang="en-US" dirty="0"/>
+              <a:t>找出非法存取数据的人、时间和内容。</a:t>
             </a:r>
           </a:p>
         </p:txBody>
@@ -33520,11 +33686,12 @@
           <a:bodyPr/>
           <a:lstStyle/>
           <a:p>
-            <a:pPr eaLnBrk="1" hangingPunct="1"/>
-            <a:r>
-              <a:rPr lang="zh-CN" altLang="en-US" sz="3600"/>
-              <a:t>第四章  数据库安全性</a:t>
-            </a:r>
+            <a:pPr algn="l" eaLnBrk="1" hangingPunct="1"/>
+            <a:r>
+              <a:rPr lang="en-US" altLang="zh-CN" dirty="0"/>
+              <a:t>MD5</a:t>
+            </a:r>
+            <a:endParaRPr lang="zh-CN" altLang="en-US" sz="3600" dirty="0"/>
           </a:p>
         </p:txBody>
       </p:sp>
@@ -33558,33 +33725,28 @@
               <a:lnSpc>
                 <a:spcPct val="130000"/>
               </a:lnSpc>
-              <a:buFont typeface="Wingdings" panose="05000000000000000000" pitchFamily="2" charset="2"/>
               <a:buNone/>
             </a:pPr>
             <a:r>
-              <a:rPr lang="en-US" altLang="zh-CN"/>
-              <a:t>4.1  </a:t>
-            </a:r>
-            <a:r>
-              <a:rPr lang="zh-CN" altLang="en-US"/>
-              <a:t>计算机安全性概述</a:t>
-            </a:r>
+              <a:rPr lang="en-US" altLang="zh-CN" dirty="0"/>
+              <a:t>MD5</a:t>
+            </a:r>
+            <a:r>
+              <a:rPr lang="zh-CN" altLang="en-US" dirty="0"/>
+              <a:t>信息摘要算法</a:t>
+            </a:r>
+            <a:endParaRPr lang="en-US" altLang="zh-CN" dirty="0"/>
           </a:p>
           <a:p>
             <a:pPr algn="just" eaLnBrk="1" hangingPunct="1">
               <a:lnSpc>
                 <a:spcPct val="130000"/>
               </a:lnSpc>
-              <a:buFont typeface="Wingdings" panose="05000000000000000000" pitchFamily="2" charset="2"/>
               <a:buNone/>
             </a:pPr>
             <a:r>
-              <a:rPr lang="en-US" altLang="zh-CN"/>
-              <a:t>4.2  </a:t>
-            </a:r>
-            <a:r>
-              <a:rPr lang="zh-CN" altLang="en-US"/>
-              <a:t>数据库安全性控制</a:t>
+              <a:rPr lang="en-US" altLang="zh-CN" sz="1400" b="0" dirty="0"/>
+              <a:t>MD5 Message-Digest Algorithm</a:t>
             </a:r>
           </a:p>
           <a:p>
@@ -33592,101 +33754,141 @@
               <a:lnSpc>
                 <a:spcPct val="130000"/>
               </a:lnSpc>
-              <a:buFont typeface="Wingdings" panose="05000000000000000000" pitchFamily="2" charset="2"/>
               <a:buNone/>
             </a:pPr>
-            <a:r>
-              <a:rPr lang="en-US" altLang="zh-CN"/>
-              <a:t>4.3  </a:t>
-            </a:r>
-            <a:r>
-              <a:rPr lang="zh-CN" altLang="en-US"/>
-              <a:t>视图机制</a:t>
-            </a:r>
-          </a:p>
-          <a:p>
-            <a:pPr algn="just" eaLnBrk="1" hangingPunct="1">
+            <a:endParaRPr lang="en-US" altLang="zh-CN" sz="1400" b="0" dirty="0"/>
+          </a:p>
+          <a:p>
+            <a:pPr marL="0" indent="0" algn="just" eaLnBrk="1" hangingPunct="1">
               <a:lnSpc>
                 <a:spcPct val="130000"/>
               </a:lnSpc>
-              <a:buFont typeface="Wingdings" panose="05000000000000000000" pitchFamily="2" charset="2"/>
               <a:buNone/>
             </a:pPr>
             <a:r>
-              <a:rPr lang="en-US" altLang="zh-CN"/>
-              <a:t>4.4  </a:t>
-            </a:r>
-            <a:r>
-              <a:rPr lang="zh-CN" altLang="en-US"/>
-              <a:t>审计（</a:t>
-            </a:r>
-            <a:r>
-              <a:rPr lang="en-US" altLang="zh-CN"/>
-              <a:t>Audit</a:t>
-            </a:r>
-            <a:r>
-              <a:rPr lang="zh-CN" altLang="en-US"/>
-              <a:t>）</a:t>
-            </a:r>
-          </a:p>
-          <a:p>
-            <a:pPr algn="just" eaLnBrk="1" hangingPunct="1">
-              <a:lnSpc>
-                <a:spcPct val="130000"/>
-              </a:lnSpc>
-              <a:buFont typeface="Wingdings" panose="05000000000000000000" pitchFamily="2" charset="2"/>
-              <a:buNone/>
-            </a:pPr>
-            <a:r>
-              <a:rPr lang="en-US" altLang="zh-CN"/>
-              <a:t>4.5  </a:t>
-            </a:r>
-            <a:r>
-              <a:rPr lang="zh-CN" altLang="en-US"/>
-              <a:t>数据加密</a:t>
-            </a:r>
-          </a:p>
-          <a:p>
-            <a:pPr algn="just" eaLnBrk="1" hangingPunct="1">
-              <a:lnSpc>
-                <a:spcPct val="130000"/>
-              </a:lnSpc>
-              <a:buFont typeface="Wingdings" panose="05000000000000000000" pitchFamily="2" charset="2"/>
-              <a:buNone/>
-            </a:pPr>
-            <a:r>
-              <a:rPr lang="en-US" altLang="zh-CN">
-                <a:solidFill>
-                  <a:srgbClr val="3333FF"/>
-                </a:solidFill>
-              </a:rPr>
-              <a:t>4.6  </a:t>
-            </a:r>
-            <a:r>
-              <a:rPr lang="zh-CN" altLang="en-US">
-                <a:solidFill>
-                  <a:srgbClr val="3333FF"/>
-                </a:solidFill>
-              </a:rPr>
-              <a:t>其他安全性保护</a:t>
-            </a:r>
-          </a:p>
-          <a:p>
-            <a:pPr algn="just" eaLnBrk="1" hangingPunct="1">
-              <a:lnSpc>
-                <a:spcPct val="130000"/>
-              </a:lnSpc>
-              <a:buFont typeface="Wingdings" panose="05000000000000000000" pitchFamily="2" charset="2"/>
-              <a:buNone/>
-            </a:pPr>
-            <a:r>
-              <a:rPr lang="en-US" altLang="zh-CN"/>
-              <a:t>4.7  </a:t>
-            </a:r>
-            <a:r>
-              <a:rPr lang="zh-CN" altLang="en-US"/>
-              <a:t>小结</a:t>
-            </a:r>
+              <a:rPr lang="zh-CN" altLang="en-US" sz="1800" dirty="0"/>
+              <a:t>要求：在开发软件时，给“密码” 采用</a:t>
+            </a:r>
+            <a:r>
+              <a:rPr lang="en-US" altLang="zh-CN" sz="1800" dirty="0"/>
+              <a:t>MD5</a:t>
+            </a:r>
+            <a:r>
+              <a:rPr lang="zh-CN" altLang="en-US" sz="1800" dirty="0"/>
+              <a:t>加密。</a:t>
+            </a:r>
+          </a:p>
+        </p:txBody>
+      </p:sp>
+      <p:pic>
+        <p:nvPicPr>
+          <p:cNvPr id="3" name="图片 2">
+            <a:extLst>
+              <a:ext uri="{FF2B5EF4-FFF2-40B4-BE49-F238E27FC236}">
+                <a16:creationId xmlns:a16="http://schemas.microsoft.com/office/drawing/2014/main" id="{D77F1E48-9987-481B-8AC5-0D9AA15E3356}"/>
+              </a:ext>
+            </a:extLst>
+          </p:cNvPr>
+          <p:cNvPicPr>
+            <a:picLocks noChangeAspect="1"/>
+          </p:cNvPicPr>
+          <p:nvPr/>
+        </p:nvPicPr>
+        <p:blipFill>
+          <a:blip r:embed="rId2">
+            <a:extLst>
+              <a:ext uri="{28A0092B-C50C-407E-A947-70E740481C1C}">
+                <a14:useLocalDpi xmlns:a14="http://schemas.microsoft.com/office/drawing/2010/main" val="0"/>
+              </a:ext>
+            </a:extLst>
+          </a:blip>
+          <a:stretch>
+            <a:fillRect/>
+          </a:stretch>
+        </p:blipFill>
+        <p:spPr>
+          <a:xfrm>
+            <a:off x="5867822" y="1100521"/>
+            <a:ext cx="2952328" cy="3519408"/>
+          </a:xfrm>
+          <a:prstGeom prst="rect">
+            <a:avLst/>
+          </a:prstGeom>
+        </p:spPr>
+      </p:pic>
+      <p:pic>
+        <p:nvPicPr>
+          <p:cNvPr id="5" name="图片 4">
+            <a:extLst>
+              <a:ext uri="{FF2B5EF4-FFF2-40B4-BE49-F238E27FC236}">
+                <a16:creationId xmlns:a16="http://schemas.microsoft.com/office/drawing/2014/main" id="{0200589B-D320-48E8-B63F-A323AEA93664}"/>
+              </a:ext>
+            </a:extLst>
+          </p:cNvPr>
+          <p:cNvPicPr>
+            <a:picLocks noChangeAspect="1"/>
+          </p:cNvPicPr>
+          <p:nvPr/>
+        </p:nvPicPr>
+        <p:blipFill>
+          <a:blip r:embed="rId3">
+            <a:extLst>
+              <a:ext uri="{28A0092B-C50C-407E-A947-70E740481C1C}">
+                <a14:useLocalDpi xmlns:a14="http://schemas.microsoft.com/office/drawing/2010/main" val="0"/>
+              </a:ext>
+            </a:extLst>
+          </a:blip>
+          <a:stretch>
+            <a:fillRect/>
+          </a:stretch>
+        </p:blipFill>
+        <p:spPr>
+          <a:xfrm>
+            <a:off x="859971" y="3651558"/>
+            <a:ext cx="3695700" cy="914400"/>
+          </a:xfrm>
+          <a:prstGeom prst="rect">
+            <a:avLst/>
+          </a:prstGeom>
+        </p:spPr>
+      </p:pic>
+      <p:sp>
+        <p:nvSpPr>
+          <p:cNvPr id="6" name="文本框 5">
+            <a:extLst>
+              <a:ext uri="{FF2B5EF4-FFF2-40B4-BE49-F238E27FC236}">
+                <a16:creationId xmlns:a16="http://schemas.microsoft.com/office/drawing/2014/main" id="{CE1C325F-318C-43BE-A434-35CF8CBBA872}"/>
+              </a:ext>
+            </a:extLst>
+          </p:cNvPr>
+          <p:cNvSpPr txBox="1"/>
+          <p:nvPr/>
+        </p:nvSpPr>
+        <p:spPr>
+          <a:xfrm>
+            <a:off x="717079" y="5724009"/>
+            <a:ext cx="7712368" cy="369332"/>
+          </a:xfrm>
+          <a:prstGeom prst="rect">
+            <a:avLst/>
+          </a:prstGeom>
+          <a:noFill/>
+        </p:spPr>
+        <p:txBody>
+          <a:bodyPr wrap="none" rtlCol="0">
+            <a:spAutoFit/>
+          </a:bodyPr>
+          <a:lstStyle/>
+          <a:p>
+            <a:r>
+              <a:rPr lang="zh-CN" altLang="en-US" dirty="0"/>
+              <a:t>源代码：</a:t>
+            </a:r>
+            <a:r>
+              <a:rPr lang="en-US" altLang="zh-CN" dirty="0"/>
+              <a:t> https://github.com/HBU/DataBase/tree/master/Csharp/MD5_test</a:t>
+            </a:r>
+            <a:endParaRPr lang="zh-CN" altLang="en-US" dirty="0"/>
           </a:p>
         </p:txBody>
       </p:sp>
@@ -33699,204 +33901,6 @@
 </file>
 
 <file path=ppt/slides/slide66.xml><?xml version="1.0" encoding="utf-8"?>
-<p:sld xmlns:a="http://schemas.openxmlformats.org/drawingml/2006/main" xmlns:r="http://schemas.openxmlformats.org/officeDocument/2006/relationships" xmlns:p="http://schemas.openxmlformats.org/presentationml/2006/main">
-  <p:cSld>
-    <p:spTree>
-      <p:nvGrpSpPr>
-        <p:cNvPr id="1" name=""/>
-        <p:cNvGrpSpPr/>
-        <p:nvPr/>
-      </p:nvGrpSpPr>
-      <p:grpSpPr>
-        <a:xfrm>
-          <a:off x="0" y="0"/>
-          <a:ext cx="0" cy="0"/>
-          <a:chOff x="0" y="0"/>
-          <a:chExt cx="0" cy="0"/>
-        </a:xfrm>
-      </p:grpSpPr>
-      <p:sp>
-        <p:nvSpPr>
-          <p:cNvPr id="71681" name="页脚占位符 4">
-            <a:extLst>
-              <a:ext uri="{FF2B5EF4-FFF2-40B4-BE49-F238E27FC236}">
-                <a16:creationId xmlns:a16="http://schemas.microsoft.com/office/drawing/2014/main" id="{3DA16709-F3ED-48CA-8C5F-883FD496DC30}"/>
-              </a:ext>
-            </a:extLst>
-          </p:cNvPr>
-          <p:cNvSpPr txBox="1">
-            <a:spLocks noGrp="1" noChangeArrowheads="1"/>
-          </p:cNvSpPr>
-          <p:nvPr/>
-        </p:nvSpPr>
-        <p:spPr bwMode="auto">
-          <a:xfrm>
-            <a:off x="5219700" y="6381750"/>
-            <a:ext cx="3600450" cy="320675"/>
-          </a:xfrm>
-          <a:prstGeom prst="rect">
-            <a:avLst/>
-          </a:prstGeom>
-          <a:noFill/>
-          <a:ln>
-            <a:noFill/>
-          </a:ln>
-          <a:extLst>
-            <a:ext uri="{909E8E84-426E-40DD-AFC4-6F175D3DCCD1}">
-              <a14:hiddenFill xmlns:a14="http://schemas.microsoft.com/office/drawing/2010/main">
-                <a:solidFill>
-                  <a:srgbClr val="FFFFFF"/>
-                </a:solidFill>
-              </a14:hiddenFill>
-            </a:ext>
-            <a:ext uri="{91240B29-F687-4F45-9708-019B960494DF}">
-              <a14:hiddenLine xmlns:a14="http://schemas.microsoft.com/office/drawing/2010/main" w="9525">
-                <a:solidFill>
-                  <a:srgbClr val="000000"/>
-                </a:solidFill>
-                <a:miter lim="800000"/>
-                <a:headEnd/>
-                <a:tailEnd/>
-              </a14:hiddenLine>
-            </a:ext>
-          </a:extLst>
-        </p:spPr>
-        <p:txBody>
-          <a:bodyPr/>
-          <a:lstStyle/>
-          <a:p>
-            <a:pPr algn="ctr"/>
-            <a:endParaRPr lang="en-US" altLang="zh-CN" sz="1400" b="1">
-              <a:solidFill>
-                <a:srgbClr val="F03628"/>
-              </a:solidFill>
-            </a:endParaRPr>
-          </a:p>
-        </p:txBody>
-      </p:sp>
-      <p:sp>
-        <p:nvSpPr>
-          <p:cNvPr id="71682" name="Rectangle 2">
-            <a:extLst>
-              <a:ext uri="{FF2B5EF4-FFF2-40B4-BE49-F238E27FC236}">
-                <a16:creationId xmlns:a16="http://schemas.microsoft.com/office/drawing/2014/main" id="{5B82512F-4599-4E86-879C-339DDDD0ECBF}"/>
-              </a:ext>
-            </a:extLst>
-          </p:cNvPr>
-          <p:cNvSpPr>
-            <a:spLocks noGrp="1" noChangeArrowheads="1"/>
-          </p:cNvSpPr>
-          <p:nvPr>
-            <p:ph type="title" idx="4294967295"/>
-          </p:nvPr>
-        </p:nvSpPr>
-        <p:spPr/>
-        <p:txBody>
-          <a:bodyPr/>
-          <a:lstStyle/>
-          <a:p>
-            <a:pPr eaLnBrk="1" hangingPunct="1"/>
-            <a:r>
-              <a:rPr lang="zh-CN" altLang="en-US" sz="3600"/>
-              <a:t>其他安全性保护（续）</a:t>
-            </a:r>
-          </a:p>
-        </p:txBody>
-      </p:sp>
-      <p:sp>
-        <p:nvSpPr>
-          <p:cNvPr id="71683" name="Rectangle 3">
-            <a:extLst>
-              <a:ext uri="{FF2B5EF4-FFF2-40B4-BE49-F238E27FC236}">
-                <a16:creationId xmlns:a16="http://schemas.microsoft.com/office/drawing/2014/main" id="{D33BEDF5-2D46-498A-9B09-A1755DF41BCF}"/>
-              </a:ext>
-            </a:extLst>
-          </p:cNvPr>
-          <p:cNvSpPr>
-            <a:spLocks noGrp="1" noChangeArrowheads="1"/>
-          </p:cNvSpPr>
-          <p:nvPr>
-            <p:ph type="body" idx="4294967295"/>
-          </p:nvPr>
-        </p:nvSpPr>
-        <p:spPr>
-          <a:xfrm>
-            <a:off x="457200" y="1196975"/>
-            <a:ext cx="8229600" cy="4895850"/>
-          </a:xfrm>
-        </p:spPr>
-        <p:txBody>
-          <a:bodyPr/>
-          <a:lstStyle/>
-          <a:p>
-            <a:pPr marL="0" indent="0" eaLnBrk="1" hangingPunct="1">
-              <a:lnSpc>
-                <a:spcPct val="120000"/>
-              </a:lnSpc>
-              <a:spcBef>
-                <a:spcPct val="0"/>
-              </a:spcBef>
-              <a:buFont typeface="Wingdings" panose="05000000000000000000" pitchFamily="2" charset="2"/>
-              <a:buNone/>
-            </a:pPr>
-            <a:r>
-              <a:rPr lang="zh-CN" altLang="en-US">
-                <a:solidFill>
-                  <a:srgbClr val="0066FF"/>
-                </a:solidFill>
-              </a:rPr>
-              <a:t>数据隐私保护</a:t>
-            </a:r>
-          </a:p>
-          <a:p>
-            <a:pPr lvl="1" eaLnBrk="1" hangingPunct="1">
-              <a:lnSpc>
-                <a:spcPct val="120000"/>
-              </a:lnSpc>
-              <a:spcBef>
-                <a:spcPct val="0"/>
-              </a:spcBef>
-            </a:pPr>
-            <a:r>
-              <a:rPr lang="zh-CN" altLang="zh-CN"/>
-              <a:t>描述个人控制其不愿他人知道或他人不便知道的个人数据的能力</a:t>
-            </a:r>
-            <a:endParaRPr lang="en-US" altLang="zh-CN"/>
-          </a:p>
-          <a:p>
-            <a:pPr lvl="1" eaLnBrk="1" hangingPunct="1">
-              <a:lnSpc>
-                <a:spcPct val="120000"/>
-              </a:lnSpc>
-              <a:spcBef>
-                <a:spcPct val="0"/>
-              </a:spcBef>
-            </a:pPr>
-            <a:r>
-              <a:rPr lang="zh-CN" altLang="zh-CN"/>
-              <a:t>范围很广</a:t>
-            </a:r>
-            <a:r>
-              <a:rPr lang="zh-CN" altLang="en-US"/>
-              <a:t>：</a:t>
-            </a:r>
-            <a:r>
-              <a:rPr lang="zh-CN" altLang="zh-CN"/>
-              <a:t>数据收集、数据存储、数据处理和数据发布等各个阶段</a:t>
-            </a:r>
-            <a:endParaRPr lang="zh-CN" altLang="en-US"/>
-          </a:p>
-        </p:txBody>
-      </p:sp>
-    </p:spTree>
-  </p:cSld>
-  <p:clrMapOvr>
-    <a:masterClrMapping/>
-  </p:clrMapOvr>
-</p:sld>
-</file>
-
-<file path=ppt/slides/slide67.xml><?xml version="1.0" encoding="utf-8"?>
 <p:sld xmlns:a="http://schemas.openxmlformats.org/drawingml/2006/main" xmlns:r="http://schemas.openxmlformats.org/officeDocument/2006/relationships" xmlns:p="http://schemas.openxmlformats.org/presentationml/2006/main">
   <p:cSld>
     <p:spTree>
@@ -34035,7 +34039,7 @@
               <a:buNone/>
             </a:pPr>
             <a:r>
-              <a:rPr lang="en-US" altLang="zh-CN" sz="9600">
+              <a:rPr lang="en-US" altLang="zh-CN" sz="9600" dirty="0">
                 <a:solidFill>
                   <a:schemeClr val="accent2"/>
                 </a:solidFill>
@@ -34044,15 +34048,89 @@
             </a:r>
           </a:p>
           <a:p>
-            <a:pPr eaLnBrk="1" hangingPunct="1"/>
-            <a:endParaRPr lang="en-US" altLang="zh-CN">
+            <a:pPr algn="just" eaLnBrk="1" hangingPunct="1">
+              <a:lnSpc>
+                <a:spcPct val="130000"/>
+              </a:lnSpc>
+              <a:buNone/>
+            </a:pPr>
+            <a:r>
+              <a:rPr lang="zh-CN" altLang="en-US" sz="2000" dirty="0">
+                <a:solidFill>
+                  <a:schemeClr val="accent2"/>
+                </a:solidFill>
+              </a:rPr>
+              <a:t>作业：</a:t>
+            </a:r>
+            <a:r>
+              <a:rPr lang="en-US" altLang="zh-CN" sz="2000" dirty="0">
+                <a:solidFill>
+                  <a:schemeClr val="accent2"/>
+                </a:solidFill>
+              </a:rPr>
+              <a:t> https://blog.csdn.net/qq_38975453</a:t>
+            </a:r>
+          </a:p>
+          <a:p>
+            <a:pPr algn="just" eaLnBrk="1" hangingPunct="1">
+              <a:lnSpc>
+                <a:spcPct val="130000"/>
+              </a:lnSpc>
+              <a:buFont typeface="Wingdings" panose="05000000000000000000" pitchFamily="2" charset="2"/>
+              <a:buNone/>
+            </a:pPr>
+            <a:endParaRPr lang="en-US" altLang="zh-CN" sz="9600" dirty="0">
               <a:solidFill>
                 <a:schemeClr val="accent2"/>
               </a:solidFill>
             </a:endParaRPr>
           </a:p>
+          <a:p>
+            <a:pPr eaLnBrk="1" hangingPunct="1"/>
+            <a:endParaRPr lang="en-US" altLang="zh-CN" dirty="0">
+              <a:solidFill>
+                <a:schemeClr val="accent2"/>
+              </a:solidFill>
+            </a:endParaRPr>
+          </a:p>
         </p:txBody>
       </p:sp>
+      <p:pic>
+        <p:nvPicPr>
+          <p:cNvPr id="3" name="图片 2">
+            <a:extLst>
+              <a:ext uri="{FF2B5EF4-FFF2-40B4-BE49-F238E27FC236}">
+                <a16:creationId xmlns:a16="http://schemas.microsoft.com/office/drawing/2014/main" id="{EFE438EC-6E1D-4AEA-888D-BF93B22CBEF1}"/>
+              </a:ext>
+            </a:extLst>
+          </p:cNvPr>
+          <p:cNvPicPr>
+            <a:picLocks noChangeAspect="1"/>
+          </p:cNvPicPr>
+          <p:nvPr/>
+        </p:nvPicPr>
+        <p:blipFill>
+          <a:blip r:embed="rId2">
+            <a:extLst>
+              <a:ext uri="{28A0092B-C50C-407E-A947-70E740481C1C}">
+                <a14:useLocalDpi xmlns:a14="http://schemas.microsoft.com/office/drawing/2010/main" val="0"/>
+              </a:ext>
+            </a:extLst>
+          </a:blip>
+          <a:stretch>
+            <a:fillRect/>
+          </a:stretch>
+        </p:blipFill>
+        <p:spPr>
+          <a:xfrm>
+            <a:off x="755576" y="4063528"/>
+            <a:ext cx="7416824" cy="1446738"/>
+          </a:xfrm>
+          <a:prstGeom prst="rect">
+            <a:avLst/>
+          </a:prstGeom>
+        </p:spPr>
+      </p:pic>
     </p:spTree>
   </p:cSld>
   <p:clrMapOvr>

--- a/PPT/PPT2020/DB第04章.pptx
+++ b/PPT/PPT2020/DB第04章.pptx
@@ -344,7 +344,7 @@
               <a:pPr>
                 <a:defRPr/>
               </a:pPr>
-              <a:t>2020/3/29</a:t>
+              <a:t>2020/3/30</a:t>
             </a:fld>
             <a:endParaRPr lang="zh-CN" altLang="en-US"/>
           </a:p>
@@ -29375,10 +29375,32 @@
             <a:r>
               <a:rPr lang="zh-CN" altLang="en-US" noProof="1">
                 <a:solidFill>
+                  <a:srgbClr val="FF0000"/>
+                </a:solidFill>
+                <a:highlight>
+                  <a:srgbClr val="FFFF00"/>
+                </a:highlight>
+              </a:rPr>
+              <a:t>大于</a:t>
+            </a:r>
+            <a:r>
+              <a:rPr lang="zh-CN" altLang="en-US" noProof="1">
+                <a:solidFill>
                   <a:srgbClr val="FF00FF"/>
                 </a:solidFill>
               </a:rPr>
-              <a:t>大于或等于</a:t>
+              <a:t>或</a:t>
+            </a:r>
+            <a:r>
+              <a:rPr lang="zh-CN" altLang="en-US" noProof="1">
+                <a:solidFill>
+                  <a:srgbClr val="00B050"/>
+                </a:solidFill>
+                <a:highlight>
+                  <a:srgbClr val="FFFF00"/>
+                </a:highlight>
+              </a:rPr>
+              <a:t>等于</a:t>
             </a:r>
             <a:r>
               <a:rPr lang="zh-CN" altLang="en-US" noProof="1">
@@ -29443,10 +29465,32 @@
             <a:r>
               <a:rPr lang="zh-CN" altLang="en-US" noProof="1">
                 <a:solidFill>
+                  <a:srgbClr val="FF0000"/>
+                </a:solidFill>
+                <a:highlight>
+                  <a:srgbClr val="FFFF00"/>
+                </a:highlight>
+              </a:rPr>
+              <a:t>小于</a:t>
+            </a:r>
+            <a:r>
+              <a:rPr lang="zh-CN" altLang="en-US" noProof="1">
+                <a:solidFill>
                   <a:srgbClr val="FF00FF"/>
                 </a:solidFill>
               </a:rPr>
-              <a:t>小于或等于</a:t>
+              <a:t>或</a:t>
+            </a:r>
+            <a:r>
+              <a:rPr lang="zh-CN" altLang="en-US" noProof="1">
+                <a:solidFill>
+                  <a:srgbClr val="00B050"/>
+                </a:solidFill>
+                <a:highlight>
+                  <a:srgbClr val="FFFF00"/>
+                </a:highlight>
+              </a:rPr>
+              <a:t>等于</a:t>
             </a:r>
             <a:r>
               <a:rPr lang="zh-CN" altLang="en-US" noProof="1">
